--- a/Notes/9_H-Atom.pptx
+++ b/Notes/9_H-Atom.pptx
@@ -228,7 +228,7 @@
           <a:p>
             <a:fld id="{7140EA89-28A1-B243-977E-6A31A2C6F750}" type="datetimeFigureOut">
               <a:rPr lang="en-US" smtClean="0"/>
-              <a:t>11/11/20</a:t>
+              <a:t>11/1/23</a:t>
             </a:fld>
             <a:endParaRPr lang="en-US"/>
           </a:p>
@@ -842,7 +842,7 @@
           <a:p>
             <a:fld id="{0648D364-E2AF-6144-9050-EED35606F0A6}" type="datetimeFigureOut">
               <a:rPr lang="en-US" smtClean="0"/>
-              <a:t>11/11/20</a:t>
+              <a:t>11/1/23</a:t>
             </a:fld>
             <a:endParaRPr lang="en-US"/>
           </a:p>
@@ -1010,7 +1010,7 @@
           <a:p>
             <a:fld id="{0648D364-E2AF-6144-9050-EED35606F0A6}" type="datetimeFigureOut">
               <a:rPr lang="en-US" smtClean="0"/>
-              <a:t>11/11/20</a:t>
+              <a:t>11/1/23</a:t>
             </a:fld>
             <a:endParaRPr lang="en-US"/>
           </a:p>
@@ -1188,7 +1188,7 @@
           <a:p>
             <a:fld id="{0648D364-E2AF-6144-9050-EED35606F0A6}" type="datetimeFigureOut">
               <a:rPr lang="en-US" smtClean="0"/>
-              <a:t>11/11/20</a:t>
+              <a:t>11/1/23</a:t>
             </a:fld>
             <a:endParaRPr lang="en-US"/>
           </a:p>
@@ -1356,7 +1356,7 @@
           <a:p>
             <a:fld id="{0648D364-E2AF-6144-9050-EED35606F0A6}" type="datetimeFigureOut">
               <a:rPr lang="en-US" smtClean="0"/>
-              <a:t>11/11/20</a:t>
+              <a:t>11/1/23</a:t>
             </a:fld>
             <a:endParaRPr lang="en-US"/>
           </a:p>
@@ -1601,7 +1601,7 @@
           <a:p>
             <a:fld id="{0648D364-E2AF-6144-9050-EED35606F0A6}" type="datetimeFigureOut">
               <a:rPr lang="en-US" smtClean="0"/>
-              <a:t>11/11/20</a:t>
+              <a:t>11/1/23</a:t>
             </a:fld>
             <a:endParaRPr lang="en-US"/>
           </a:p>
@@ -1886,7 +1886,7 @@
           <a:p>
             <a:fld id="{0648D364-E2AF-6144-9050-EED35606F0A6}" type="datetimeFigureOut">
               <a:rPr lang="en-US" smtClean="0"/>
-              <a:t>11/11/20</a:t>
+              <a:t>11/1/23</a:t>
             </a:fld>
             <a:endParaRPr lang="en-US"/>
           </a:p>
@@ -2305,7 +2305,7 @@
           <a:p>
             <a:fld id="{0648D364-E2AF-6144-9050-EED35606F0A6}" type="datetimeFigureOut">
               <a:rPr lang="en-US" smtClean="0"/>
-              <a:t>11/11/20</a:t>
+              <a:t>11/1/23</a:t>
             </a:fld>
             <a:endParaRPr lang="en-US"/>
           </a:p>
@@ -2422,7 +2422,7 @@
           <a:p>
             <a:fld id="{0648D364-E2AF-6144-9050-EED35606F0A6}" type="datetimeFigureOut">
               <a:rPr lang="en-US" smtClean="0"/>
-              <a:t>11/11/20</a:t>
+              <a:t>11/1/23</a:t>
             </a:fld>
             <a:endParaRPr lang="en-US"/>
           </a:p>
@@ -2517,7 +2517,7 @@
           <a:p>
             <a:fld id="{0648D364-E2AF-6144-9050-EED35606F0A6}" type="datetimeFigureOut">
               <a:rPr lang="en-US" smtClean="0"/>
-              <a:t>11/11/20</a:t>
+              <a:t>11/1/23</a:t>
             </a:fld>
             <a:endParaRPr lang="en-US"/>
           </a:p>
@@ -2792,7 +2792,7 @@
           <a:p>
             <a:fld id="{0648D364-E2AF-6144-9050-EED35606F0A6}" type="datetimeFigureOut">
               <a:rPr lang="en-US" smtClean="0"/>
-              <a:t>11/11/20</a:t>
+              <a:t>11/1/23</a:t>
             </a:fld>
             <a:endParaRPr lang="en-US"/>
           </a:p>
@@ -3044,7 +3044,7 @@
           <a:p>
             <a:fld id="{0648D364-E2AF-6144-9050-EED35606F0A6}" type="datetimeFigureOut">
               <a:rPr lang="en-US" smtClean="0"/>
-              <a:t>11/11/20</a:t>
+              <a:t>11/1/23</a:t>
             </a:fld>
             <a:endParaRPr lang="en-US"/>
           </a:p>
@@ -3255,7 +3255,7 @@
           <a:p>
             <a:fld id="{0648D364-E2AF-6144-9050-EED35606F0A6}" type="datetimeFigureOut">
               <a:rPr lang="en-US" smtClean="0"/>
-              <a:t>11/11/20</a:t>
+              <a:t>11/1/23</a:t>
             </a:fld>
             <a:endParaRPr lang="en-US"/>
           </a:p>
@@ -19450,29 +19450,6 @@
           </a:prstGeom>
         </p:spPr>
       </p:pic>
-      <p:pic>
-        <p:nvPicPr>
-          <p:cNvPr id="10" name="Picture 9"/>
-          <p:cNvPicPr>
-            <a:picLocks noChangeAspect="1"/>
-          </p:cNvPicPr>
-          <p:nvPr/>
-        </p:nvPicPr>
-        <p:blipFill rotWithShape="1">
-          <a:blip r:embed="rId3"/>
-          <a:srcRect l="44752" r="1"/>
-          <a:stretch/>
-        </p:blipFill>
-        <p:spPr>
-          <a:xfrm>
-            <a:off x="5334001" y="1324659"/>
-            <a:ext cx="3795888" cy="965200"/>
-          </a:xfrm>
-          <a:prstGeom prst="rect">
-            <a:avLst/>
-          </a:prstGeom>
-        </p:spPr>
-      </p:pic>
       <p:sp>
         <p:nvSpPr>
           <p:cNvPr id="12" name="Right Brace 11"/>
@@ -19481,7 +19458,7 @@
         </p:nvSpPr>
         <p:spPr>
           <a:xfrm rot="5400000">
-            <a:off x="7064327" y="870968"/>
+            <a:off x="6982266" y="870968"/>
             <a:ext cx="377564" cy="2709333"/>
           </a:xfrm>
           <a:prstGeom prst="rightBrace">
@@ -19511,6 +19488,36 @@
           </a:p>
         </p:txBody>
       </p:sp>
+      <p:pic>
+        <p:nvPicPr>
+          <p:cNvPr id="3" name="Picture 2">
+            <a:extLst>
+              <a:ext uri="{FF2B5EF4-FFF2-40B4-BE49-F238E27FC236}">
+                <a16:creationId xmlns:a16="http://schemas.microsoft.com/office/drawing/2014/main" id="{751BB2AF-D984-E6BF-5091-57EA213AD626}"/>
+              </a:ext>
+            </a:extLst>
+          </p:cNvPr>
+          <p:cNvPicPr>
+            <a:picLocks noChangeAspect="1"/>
+          </p:cNvPicPr>
+          <p:nvPr/>
+        </p:nvPicPr>
+        <p:blipFill>
+          <a:blip r:embed="rId4"/>
+          <a:stretch>
+            <a:fillRect/>
+          </a:stretch>
+        </p:blipFill>
+        <p:spPr>
+          <a:xfrm>
+            <a:off x="5400863" y="1458019"/>
+            <a:ext cx="3555568" cy="644882"/>
+          </a:xfrm>
+          <a:prstGeom prst="rect">
+            <a:avLst/>
+          </a:prstGeom>
+        </p:spPr>
+      </p:pic>
     </p:spTree>
     <p:extLst>
       <p:ext uri="{BB962C8B-B14F-4D97-AF65-F5344CB8AC3E}">
@@ -19542,7 +19549,7 @@
                             </p:stCondLst>
                             <p:childTnLst>
                               <p:par>
-                                <p:cTn id="5" presetID="2" presetClass="entr" presetSubtype="4" fill="hold" nodeType="clickEffect">
+                                <p:cTn id="5" presetID="2" presetClass="entr" presetSubtype="4" fill="hold" grpId="0" nodeType="clickEffect">
                                   <p:stCondLst>
                                     <p:cond delay="0"/>
                                   </p:stCondLst>
@@ -19555,7 +19562,7 @@
                                           </p:stCondLst>
                                         </p:cTn>
                                         <p:tgtEl>
-                                          <p:spTgt spid="10"/>
+                                          <p:spTgt spid="6"/>
                                         </p:tgtEl>
                                         <p:attrNameLst>
                                           <p:attrName>style.visibility</p:attrName>
@@ -19569,7 +19576,7 @@
                                       <p:cBhvr additive="base">
                                         <p:cTn id="7" dur="500" fill="hold"/>
                                         <p:tgtEl>
-                                          <p:spTgt spid="10"/>
+                                          <p:spTgt spid="6"/>
                                         </p:tgtEl>
                                         <p:attrNameLst>
                                           <p:attrName>ppt_x</p:attrName>
@@ -19592,7 +19599,80 @@
                                       <p:cBhvr additive="base">
                                         <p:cTn id="8" dur="500" fill="hold"/>
                                         <p:tgtEl>
-                                          <p:spTgt spid="10"/>
+                                          <p:spTgt spid="6"/>
+                                        </p:tgtEl>
+                                        <p:attrNameLst>
+                                          <p:attrName>ppt_y</p:attrName>
+                                        </p:attrNameLst>
+                                      </p:cBhvr>
+                                      <p:tavLst>
+                                        <p:tav tm="0">
+                                          <p:val>
+                                            <p:strVal val="1+#ppt_h/2"/>
+                                          </p:val>
+                                        </p:tav>
+                                        <p:tav tm="100000">
+                                          <p:val>
+                                            <p:strVal val="#ppt_y"/>
+                                          </p:val>
+                                        </p:tav>
+                                      </p:tavLst>
+                                    </p:anim>
+                                  </p:childTnLst>
+                                </p:cTn>
+                              </p:par>
+                              <p:par>
+                                <p:cTn id="9" presetID="2" presetClass="entr" presetSubtype="4" fill="hold" grpId="0" nodeType="withEffect">
+                                  <p:stCondLst>
+                                    <p:cond delay="0"/>
+                                  </p:stCondLst>
+                                  <p:childTnLst>
+                                    <p:set>
+                                      <p:cBhvr>
+                                        <p:cTn id="10" dur="1" fill="hold">
+                                          <p:stCondLst>
+                                            <p:cond delay="0"/>
+                                          </p:stCondLst>
+                                        </p:cTn>
+                                        <p:tgtEl>
+                                          <p:spTgt spid="12"/>
+                                        </p:tgtEl>
+                                        <p:attrNameLst>
+                                          <p:attrName>style.visibility</p:attrName>
+                                        </p:attrNameLst>
+                                      </p:cBhvr>
+                                      <p:to>
+                                        <p:strVal val="visible"/>
+                                      </p:to>
+                                    </p:set>
+                                    <p:anim calcmode="lin" valueType="num">
+                                      <p:cBhvr additive="base">
+                                        <p:cTn id="11" dur="500" fill="hold"/>
+                                        <p:tgtEl>
+                                          <p:spTgt spid="12"/>
+                                        </p:tgtEl>
+                                        <p:attrNameLst>
+                                          <p:attrName>ppt_x</p:attrName>
+                                        </p:attrNameLst>
+                                      </p:cBhvr>
+                                      <p:tavLst>
+                                        <p:tav tm="0">
+                                          <p:val>
+                                            <p:strVal val="#ppt_x"/>
+                                          </p:val>
+                                        </p:tav>
+                                        <p:tav tm="100000">
+                                          <p:val>
+                                            <p:strVal val="#ppt_x"/>
+                                          </p:val>
+                                        </p:tav>
+                                      </p:tavLst>
+                                    </p:anim>
+                                    <p:anim calcmode="lin" valueType="num">
+                                      <p:cBhvr additive="base">
+                                        <p:cTn id="12" dur="500" fill="hold"/>
+                                        <p:tgtEl>
+                                          <p:spTgt spid="12"/>
                                         </p:tgtEl>
                                         <p:attrNameLst>
                                           <p:attrName>ppt_y</p:attrName>
@@ -19621,92 +19701,19 @@
                     </p:cTn>
                   </p:par>
                   <p:par>
-                    <p:cTn id="9" fill="hold">
+                    <p:cTn id="13" fill="hold">
                       <p:stCondLst>
                         <p:cond delay="indefinite"/>
                       </p:stCondLst>
                       <p:childTnLst>
                         <p:par>
-                          <p:cTn id="10" fill="hold">
+                          <p:cTn id="14" fill="hold">
                             <p:stCondLst>
                               <p:cond delay="0"/>
                             </p:stCondLst>
                             <p:childTnLst>
                               <p:par>
-                                <p:cTn id="11" presetID="2" presetClass="entr" presetSubtype="4" fill="hold" grpId="0" nodeType="clickEffect">
-                                  <p:stCondLst>
-                                    <p:cond delay="0"/>
-                                  </p:stCondLst>
-                                  <p:childTnLst>
-                                    <p:set>
-                                      <p:cBhvr>
-                                        <p:cTn id="12" dur="1" fill="hold">
-                                          <p:stCondLst>
-                                            <p:cond delay="0"/>
-                                          </p:stCondLst>
-                                        </p:cTn>
-                                        <p:tgtEl>
-                                          <p:spTgt spid="6"/>
-                                        </p:tgtEl>
-                                        <p:attrNameLst>
-                                          <p:attrName>style.visibility</p:attrName>
-                                        </p:attrNameLst>
-                                      </p:cBhvr>
-                                      <p:to>
-                                        <p:strVal val="visible"/>
-                                      </p:to>
-                                    </p:set>
-                                    <p:anim calcmode="lin" valueType="num">
-                                      <p:cBhvr additive="base">
-                                        <p:cTn id="13" dur="500" fill="hold"/>
-                                        <p:tgtEl>
-                                          <p:spTgt spid="6"/>
-                                        </p:tgtEl>
-                                        <p:attrNameLst>
-                                          <p:attrName>ppt_x</p:attrName>
-                                        </p:attrNameLst>
-                                      </p:cBhvr>
-                                      <p:tavLst>
-                                        <p:tav tm="0">
-                                          <p:val>
-                                            <p:strVal val="#ppt_x"/>
-                                          </p:val>
-                                        </p:tav>
-                                        <p:tav tm="100000">
-                                          <p:val>
-                                            <p:strVal val="#ppt_x"/>
-                                          </p:val>
-                                        </p:tav>
-                                      </p:tavLst>
-                                    </p:anim>
-                                    <p:anim calcmode="lin" valueType="num">
-                                      <p:cBhvr additive="base">
-                                        <p:cTn id="14" dur="500" fill="hold"/>
-                                        <p:tgtEl>
-                                          <p:spTgt spid="6"/>
-                                        </p:tgtEl>
-                                        <p:attrNameLst>
-                                          <p:attrName>ppt_y</p:attrName>
-                                        </p:attrNameLst>
-                                      </p:cBhvr>
-                                      <p:tavLst>
-                                        <p:tav tm="0">
-                                          <p:val>
-                                            <p:strVal val="1+#ppt_h/2"/>
-                                          </p:val>
-                                        </p:tav>
-                                        <p:tav tm="100000">
-                                          <p:val>
-                                            <p:strVal val="#ppt_y"/>
-                                          </p:val>
-                                        </p:tav>
-                                      </p:tavLst>
-                                    </p:anim>
-                                  </p:childTnLst>
-                                </p:cTn>
-                              </p:par>
-                              <p:par>
-                                <p:cTn id="15" presetID="2" presetClass="entr" presetSubtype="4" fill="hold" grpId="0" nodeType="withEffect">
+                                <p:cTn id="15" presetID="2" presetClass="entr" presetSubtype="4" fill="hold" grpId="0" nodeType="clickEffect">
                                   <p:stCondLst>
                                     <p:cond delay="0"/>
                                   </p:stCondLst>
@@ -19719,7 +19726,7 @@
                                           </p:stCondLst>
                                         </p:cTn>
                                         <p:tgtEl>
-                                          <p:spTgt spid="12"/>
+                                          <p:spTgt spid="13"/>
                                         </p:tgtEl>
                                         <p:attrNameLst>
                                           <p:attrName>style.visibility</p:attrName>
@@ -19733,7 +19740,7 @@
                                       <p:cBhvr additive="base">
                                         <p:cTn id="17" dur="500" fill="hold"/>
                                         <p:tgtEl>
-                                          <p:spTgt spid="12"/>
+                                          <p:spTgt spid="13"/>
                                         </p:tgtEl>
                                         <p:attrNameLst>
                                           <p:attrName>ppt_x</p:attrName>
@@ -19756,7 +19763,7 @@
                                       <p:cBhvr additive="base">
                                         <p:cTn id="18" dur="500" fill="hold"/>
                                         <p:tgtEl>
-                                          <p:spTgt spid="12"/>
+                                          <p:spTgt spid="13"/>
                                         </p:tgtEl>
                                         <p:attrNameLst>
                                           <p:attrName>ppt_y</p:attrName>
@@ -19810,7 +19817,7 @@
                                           </p:stCondLst>
                                         </p:cTn>
                                         <p:tgtEl>
-                                          <p:spTgt spid="13"/>
+                                          <p:spTgt spid="11"/>
                                         </p:tgtEl>
                                         <p:attrNameLst>
                                           <p:attrName>style.visibility</p:attrName>
@@ -19824,7 +19831,7 @@
                                       <p:cBhvr additive="base">
                                         <p:cTn id="23" dur="500" fill="hold"/>
                                         <p:tgtEl>
-                                          <p:spTgt spid="13"/>
+                                          <p:spTgt spid="11"/>
                                         </p:tgtEl>
                                         <p:attrNameLst>
                                           <p:attrName>ppt_x</p:attrName>
@@ -19846,97 +19853,6 @@
                                     <p:anim calcmode="lin" valueType="num">
                                       <p:cBhvr additive="base">
                                         <p:cTn id="24" dur="500" fill="hold"/>
-                                        <p:tgtEl>
-                                          <p:spTgt spid="13"/>
-                                        </p:tgtEl>
-                                        <p:attrNameLst>
-                                          <p:attrName>ppt_y</p:attrName>
-                                        </p:attrNameLst>
-                                      </p:cBhvr>
-                                      <p:tavLst>
-                                        <p:tav tm="0">
-                                          <p:val>
-                                            <p:strVal val="1+#ppt_h/2"/>
-                                          </p:val>
-                                        </p:tav>
-                                        <p:tav tm="100000">
-                                          <p:val>
-                                            <p:strVal val="#ppt_y"/>
-                                          </p:val>
-                                        </p:tav>
-                                      </p:tavLst>
-                                    </p:anim>
-                                  </p:childTnLst>
-                                </p:cTn>
-                              </p:par>
-                            </p:childTnLst>
-                          </p:cTn>
-                        </p:par>
-                      </p:childTnLst>
-                    </p:cTn>
-                  </p:par>
-                  <p:par>
-                    <p:cTn id="25" fill="hold">
-                      <p:stCondLst>
-                        <p:cond delay="indefinite"/>
-                      </p:stCondLst>
-                      <p:childTnLst>
-                        <p:par>
-                          <p:cTn id="26" fill="hold">
-                            <p:stCondLst>
-                              <p:cond delay="0"/>
-                            </p:stCondLst>
-                            <p:childTnLst>
-                              <p:par>
-                                <p:cTn id="27" presetID="2" presetClass="entr" presetSubtype="4" fill="hold" grpId="0" nodeType="clickEffect">
-                                  <p:stCondLst>
-                                    <p:cond delay="0"/>
-                                  </p:stCondLst>
-                                  <p:childTnLst>
-                                    <p:set>
-                                      <p:cBhvr>
-                                        <p:cTn id="28" dur="1" fill="hold">
-                                          <p:stCondLst>
-                                            <p:cond delay="0"/>
-                                          </p:stCondLst>
-                                        </p:cTn>
-                                        <p:tgtEl>
-                                          <p:spTgt spid="11"/>
-                                        </p:tgtEl>
-                                        <p:attrNameLst>
-                                          <p:attrName>style.visibility</p:attrName>
-                                        </p:attrNameLst>
-                                      </p:cBhvr>
-                                      <p:to>
-                                        <p:strVal val="visible"/>
-                                      </p:to>
-                                    </p:set>
-                                    <p:anim calcmode="lin" valueType="num">
-                                      <p:cBhvr additive="base">
-                                        <p:cTn id="29" dur="500" fill="hold"/>
-                                        <p:tgtEl>
-                                          <p:spTgt spid="11"/>
-                                        </p:tgtEl>
-                                        <p:attrNameLst>
-                                          <p:attrName>ppt_x</p:attrName>
-                                        </p:attrNameLst>
-                                      </p:cBhvr>
-                                      <p:tavLst>
-                                        <p:tav tm="0">
-                                          <p:val>
-                                            <p:strVal val="#ppt_x"/>
-                                          </p:val>
-                                        </p:tav>
-                                        <p:tav tm="100000">
-                                          <p:val>
-                                            <p:strVal val="#ppt_x"/>
-                                          </p:val>
-                                        </p:tav>
-                                      </p:tavLst>
-                                    </p:anim>
-                                    <p:anim calcmode="lin" valueType="num">
-                                      <p:cBhvr additive="base">
-                                        <p:cTn id="30" dur="500" fill="hold"/>
                                         <p:tgtEl>
                                           <p:spTgt spid="11"/>
                                         </p:tgtEl>
